--- a/EDP client.pptx
+++ b/EDP client.pptx
@@ -2290,31 +2290,31 @@
     </dgm:pt>
   </dgm:ptLst>
   <dgm:cxnLst>
-    <dgm:cxn modelId="{E0A9889A-DAC0-42B7-BE30-5EDE9A5FBBF6}" srcId="{E3010F09-22F1-4F47-B160-FC834DC48BE0}" destId="{525C7387-E26C-474A-83F6-DD5812F1664C}" srcOrd="2" destOrd="0" parTransId="{F01EBBE8-E059-4026-AD3D-B1040F403527}" sibTransId="{68CDCC3C-3E2F-4F65-A075-DEADB45EFF96}"/>
     <dgm:cxn modelId="{13802714-08D0-4ED5-B089-9228DAAA3226}" srcId="{EE9496AC-06B8-48DF-82E4-2128A1C75945}" destId="{E573053A-BC12-4C73-8825-21AC2A1D40E6}" srcOrd="2" destOrd="0" parTransId="{ED8DF325-7FE9-4211-8EC7-810D27DD5D55}" sibTransId="{C1CE6569-4FFF-44DB-AA1E-79F6FF765647}"/>
-    <dgm:cxn modelId="{8B578943-6F79-4FA0-9463-7508D99B3545}" type="presOf" srcId="{434CE31E-0237-46CD-956A-AFA7E933540E}" destId="{C83C177E-7167-4465-A13E-98C81F6E4A45}" srcOrd="0" destOrd="0" presId="urn:microsoft.com/office/officeart/2005/8/layout/chevron2"/>
-    <dgm:cxn modelId="{EB3F96C2-2175-4424-8E63-668DB703359D}" type="presOf" srcId="{4F10A4EE-9707-49D1-BD89-5626925D34C5}" destId="{91BF41D9-E9F7-4FE2-9277-9B4E5CFE6AB4}" srcOrd="0" destOrd="2" presId="urn:microsoft.com/office/officeart/2005/8/layout/chevron2"/>
-    <dgm:cxn modelId="{04D7F540-2B35-41AC-809D-FA5E079C2397}" type="presOf" srcId="{A6CEC51A-381E-4FD4-AF88-CE1B8C9AFD64}" destId="{91BF41D9-E9F7-4FE2-9277-9B4E5CFE6AB4}" srcOrd="0" destOrd="0" presId="urn:microsoft.com/office/officeart/2005/8/layout/chevron2"/>
-    <dgm:cxn modelId="{78EB1223-B6C2-4AFC-B059-3C14F81A7922}" type="presOf" srcId="{E573053A-BC12-4C73-8825-21AC2A1D40E6}" destId="{355BE141-797F-4E11-A05E-11589586DFF0}" srcOrd="0" destOrd="0" presId="urn:microsoft.com/office/officeart/2005/8/layout/chevron2"/>
-    <dgm:cxn modelId="{F1BA2078-2B37-46A2-A96B-4EF5DCA71AC1}" srcId="{E3010F09-22F1-4F47-B160-FC834DC48BE0}" destId="{1568D038-A745-4E8A-9A07-2125E6406C79}" srcOrd="1" destOrd="0" parTransId="{79052993-49E4-474A-9D15-4D68EE453A33}" sibTransId="{600B1A80-1AE5-4CA6-A2D7-0D4DFE691131}"/>
+    <dgm:cxn modelId="{F2140366-D670-41D0-B6D8-C5825740B955}" srcId="{434CE31E-0237-46CD-956A-AFA7E933540E}" destId="{8E354329-E4CE-4210-986F-2B2DB79083A1}" srcOrd="1" destOrd="0" parTransId="{48D7CA25-76EC-4D12-B107-2F8AED02D0B9}" sibTransId="{9B3A61AD-B633-4EBA-AAB2-80EFA6B099E7}"/>
+    <dgm:cxn modelId="{6E982200-4F7D-4DA2-9B60-D3E75E8025EB}" type="presOf" srcId="{5EDB462B-4DA4-4C77-A36B-9226C61ED68C}" destId="{10293D9F-A795-4833-99C6-E06DB2AC7925}" srcOrd="0" destOrd="0" presId="urn:microsoft.com/office/officeart/2005/8/layout/chevron2"/>
     <dgm:cxn modelId="{5AAE45D2-4A7D-47CD-9AE2-E0913CCBDB7D}" srcId="{E573053A-BC12-4C73-8825-21AC2A1D40E6}" destId="{4F10A4EE-9707-49D1-BD89-5626925D34C5}" srcOrd="2" destOrd="0" parTransId="{9AEFB4D4-5C39-4569-A8CB-EEBFBC31565E}" sibTransId="{A2080696-26F3-420D-A670-24199471B7AA}"/>
-    <dgm:cxn modelId="{F2140366-D670-41D0-B6D8-C5825740B955}" srcId="{434CE31E-0237-46CD-956A-AFA7E933540E}" destId="{8E354329-E4CE-4210-986F-2B2DB79083A1}" srcOrd="1" destOrd="0" parTransId="{48D7CA25-76EC-4D12-B107-2F8AED02D0B9}" sibTransId="{9B3A61AD-B633-4EBA-AAB2-80EFA6B099E7}"/>
-    <dgm:cxn modelId="{E4E8DB6D-6EA9-4D35-BC73-540E95F78AD0}" type="presOf" srcId="{BFB051F6-A86B-4BCF-96C7-08FC9A84F199}" destId="{3F489367-612C-4632-98D5-4492F2B2E1C3}" srcOrd="0" destOrd="2" presId="urn:microsoft.com/office/officeart/2005/8/layout/chevron2"/>
-    <dgm:cxn modelId="{D3F6B1FE-A64A-4ACC-9948-6E1247C5FF35}" type="presOf" srcId="{1568D038-A745-4E8A-9A07-2125E6406C79}" destId="{10293D9F-A795-4833-99C6-E06DB2AC7925}" srcOrd="0" destOrd="1" presId="urn:microsoft.com/office/officeart/2005/8/layout/chevron2"/>
-    <dgm:cxn modelId="{527D89F3-FD88-4103-A3DF-25CC8C80C79A}" srcId="{EE9496AC-06B8-48DF-82E4-2128A1C75945}" destId="{E3010F09-22F1-4F47-B160-FC834DC48BE0}" srcOrd="0" destOrd="0" parTransId="{B8D02233-0ADF-4D4F-B29B-F98393ED9AC3}" sibTransId="{BD9FB321-9045-41CD-BBF4-E36018DDFC39}"/>
-    <dgm:cxn modelId="{C971BCB4-3ACA-45A2-801A-825F63B6F1DC}" srcId="{E3010F09-22F1-4F47-B160-FC834DC48BE0}" destId="{5EDB462B-4DA4-4C77-A36B-9226C61ED68C}" srcOrd="0" destOrd="0" parTransId="{6EFD4331-0DD8-478B-9740-CE6B69B61806}" sibTransId="{4D644D46-76F6-42AB-A7FB-6CD085BA6E57}"/>
-    <dgm:cxn modelId="{C320DCDA-9AFC-43D4-97C6-82AB7F0A7608}" srcId="{434CE31E-0237-46CD-956A-AFA7E933540E}" destId="{BFB051F6-A86B-4BCF-96C7-08FC9A84F199}" srcOrd="2" destOrd="0" parTransId="{80666846-0EE3-41B7-AB5E-0B4C8035DC2B}" sibTransId="{A22A7382-ABCE-4E4C-AC5F-269F002E74BA}"/>
-    <dgm:cxn modelId="{6E982200-4F7D-4DA2-9B60-D3E75E8025EB}" type="presOf" srcId="{5EDB462B-4DA4-4C77-A36B-9226C61ED68C}" destId="{10293D9F-A795-4833-99C6-E06DB2AC7925}" srcOrd="0" destOrd="0" presId="urn:microsoft.com/office/officeart/2005/8/layout/chevron2"/>
-    <dgm:cxn modelId="{C58A81DE-F42F-4301-8BED-CDA8E1CB14F1}" srcId="{434CE31E-0237-46CD-956A-AFA7E933540E}" destId="{5A33C38A-5674-44C0-BA02-0875D7C0F30D}" srcOrd="0" destOrd="0" parTransId="{9DFD6A62-2982-42EC-9144-9C5324CB3241}" sibTransId="{0D63F528-087A-4315-8879-6584634A8DD9}"/>
-    <dgm:cxn modelId="{79A83820-4315-44E1-AACF-8E755C70CCB9}" type="presOf" srcId="{5A33C38A-5674-44C0-BA02-0875D7C0F30D}" destId="{3F489367-612C-4632-98D5-4492F2B2E1C3}" srcOrd="0" destOrd="0" presId="urn:microsoft.com/office/officeart/2005/8/layout/chevron2"/>
-    <dgm:cxn modelId="{3C3A7BA2-2DAB-41AC-A504-7E7C1C56A151}" type="presOf" srcId="{A365027B-B1FD-4C35-BED5-B1C8F5536C3D}" destId="{91BF41D9-E9F7-4FE2-9277-9B4E5CFE6AB4}" srcOrd="0" destOrd="1" presId="urn:microsoft.com/office/officeart/2005/8/layout/chevron2"/>
-    <dgm:cxn modelId="{0FF9E2C4-669A-4F4C-BED9-64CF3D68914D}" type="presOf" srcId="{8E354329-E4CE-4210-986F-2B2DB79083A1}" destId="{3F489367-612C-4632-98D5-4492F2B2E1C3}" srcOrd="0" destOrd="1" presId="urn:microsoft.com/office/officeart/2005/8/layout/chevron2"/>
     <dgm:cxn modelId="{55C937D1-3C05-4E31-87B3-F2687081338D}" type="presOf" srcId="{525C7387-E26C-474A-83F6-DD5812F1664C}" destId="{10293D9F-A795-4833-99C6-E06DB2AC7925}" srcOrd="0" destOrd="2" presId="urn:microsoft.com/office/officeart/2005/8/layout/chevron2"/>
-    <dgm:cxn modelId="{1EC5BE4E-7D91-47A5-A8C3-B2BAABA0B6CD}" type="presOf" srcId="{E3010F09-22F1-4F47-B160-FC834DC48BE0}" destId="{2901F114-6FE9-4DF0-87CF-6DD617B54DFD}" srcOrd="0" destOrd="0" presId="urn:microsoft.com/office/officeart/2005/8/layout/chevron2"/>
-    <dgm:cxn modelId="{E0F3EADF-484F-4898-9294-282246FB7D69}" type="presOf" srcId="{EE9496AC-06B8-48DF-82E4-2128A1C75945}" destId="{6A965FAF-B6BC-4B0F-B550-AB66B48F88D5}" srcOrd="0" destOrd="0" presId="urn:microsoft.com/office/officeart/2005/8/layout/chevron2"/>
     <dgm:cxn modelId="{589D2094-421C-4678-85F6-7471EFFC18B8}" srcId="{E573053A-BC12-4C73-8825-21AC2A1D40E6}" destId="{A365027B-B1FD-4C35-BED5-B1C8F5536C3D}" srcOrd="1" destOrd="0" parTransId="{E8024828-2D89-47DF-9481-6DD513AEBB16}" sibTransId="{49E04188-7D1D-4F56-8273-74CD893E5002}"/>
     <dgm:cxn modelId="{FCC730A4-59C8-4EE1-905B-78BD374EF746}" srcId="{EE9496AC-06B8-48DF-82E4-2128A1C75945}" destId="{434CE31E-0237-46CD-956A-AFA7E933540E}" srcOrd="1" destOrd="0" parTransId="{2EF08FC4-B3E4-442B-B879-40BC921E1189}" sibTransId="{30E3A5A1-2CB4-4BFA-B12E-F7F31EEA18BD}"/>
+    <dgm:cxn modelId="{E0F3EADF-484F-4898-9294-282246FB7D69}" type="presOf" srcId="{EE9496AC-06B8-48DF-82E4-2128A1C75945}" destId="{6A965FAF-B6BC-4B0F-B550-AB66B48F88D5}" srcOrd="0" destOrd="0" presId="urn:microsoft.com/office/officeart/2005/8/layout/chevron2"/>
+    <dgm:cxn modelId="{79A83820-4315-44E1-AACF-8E755C70CCB9}" type="presOf" srcId="{5A33C38A-5674-44C0-BA02-0875D7C0F30D}" destId="{3F489367-612C-4632-98D5-4492F2B2E1C3}" srcOrd="0" destOrd="0" presId="urn:microsoft.com/office/officeart/2005/8/layout/chevron2"/>
     <dgm:cxn modelId="{2F79E338-2127-4FA1-B5C5-49567BF53BEF}" srcId="{E573053A-BC12-4C73-8825-21AC2A1D40E6}" destId="{A6CEC51A-381E-4FD4-AF88-CE1B8C9AFD64}" srcOrd="0" destOrd="0" parTransId="{3816A042-BC3C-4021-8A74-66FC896158D9}" sibTransId="{01B9F668-D86A-48B4-9288-5B0D747A11C8}"/>
+    <dgm:cxn modelId="{3C3A7BA2-2DAB-41AC-A504-7E7C1C56A151}" type="presOf" srcId="{A365027B-B1FD-4C35-BED5-B1C8F5536C3D}" destId="{91BF41D9-E9F7-4FE2-9277-9B4E5CFE6AB4}" srcOrd="0" destOrd="1" presId="urn:microsoft.com/office/officeart/2005/8/layout/chevron2"/>
+    <dgm:cxn modelId="{E0A9889A-DAC0-42B7-BE30-5EDE9A5FBBF6}" srcId="{E3010F09-22F1-4F47-B160-FC834DC48BE0}" destId="{525C7387-E26C-474A-83F6-DD5812F1664C}" srcOrd="2" destOrd="0" parTransId="{F01EBBE8-E059-4026-AD3D-B1040F403527}" sibTransId="{68CDCC3C-3E2F-4F65-A075-DEADB45EFF96}"/>
+    <dgm:cxn modelId="{D3F6B1FE-A64A-4ACC-9948-6E1247C5FF35}" type="presOf" srcId="{1568D038-A745-4E8A-9A07-2125E6406C79}" destId="{10293D9F-A795-4833-99C6-E06DB2AC7925}" srcOrd="0" destOrd="1" presId="urn:microsoft.com/office/officeart/2005/8/layout/chevron2"/>
+    <dgm:cxn modelId="{04D7F540-2B35-41AC-809D-FA5E079C2397}" type="presOf" srcId="{A6CEC51A-381E-4FD4-AF88-CE1B8C9AFD64}" destId="{91BF41D9-E9F7-4FE2-9277-9B4E5CFE6AB4}" srcOrd="0" destOrd="0" presId="urn:microsoft.com/office/officeart/2005/8/layout/chevron2"/>
+    <dgm:cxn modelId="{C58A81DE-F42F-4301-8BED-CDA8E1CB14F1}" srcId="{434CE31E-0237-46CD-956A-AFA7E933540E}" destId="{5A33C38A-5674-44C0-BA02-0875D7C0F30D}" srcOrd="0" destOrd="0" parTransId="{9DFD6A62-2982-42EC-9144-9C5324CB3241}" sibTransId="{0D63F528-087A-4315-8879-6584634A8DD9}"/>
+    <dgm:cxn modelId="{8B578943-6F79-4FA0-9463-7508D99B3545}" type="presOf" srcId="{434CE31E-0237-46CD-956A-AFA7E933540E}" destId="{C83C177E-7167-4465-A13E-98C81F6E4A45}" srcOrd="0" destOrd="0" presId="urn:microsoft.com/office/officeart/2005/8/layout/chevron2"/>
+    <dgm:cxn modelId="{0FF9E2C4-669A-4F4C-BED9-64CF3D68914D}" type="presOf" srcId="{8E354329-E4CE-4210-986F-2B2DB79083A1}" destId="{3F489367-612C-4632-98D5-4492F2B2E1C3}" srcOrd="0" destOrd="1" presId="urn:microsoft.com/office/officeart/2005/8/layout/chevron2"/>
+    <dgm:cxn modelId="{E4E8DB6D-6EA9-4D35-BC73-540E95F78AD0}" type="presOf" srcId="{BFB051F6-A86B-4BCF-96C7-08FC9A84F199}" destId="{3F489367-612C-4632-98D5-4492F2B2E1C3}" srcOrd="0" destOrd="2" presId="urn:microsoft.com/office/officeart/2005/8/layout/chevron2"/>
+    <dgm:cxn modelId="{78EB1223-B6C2-4AFC-B059-3C14F81A7922}" type="presOf" srcId="{E573053A-BC12-4C73-8825-21AC2A1D40E6}" destId="{355BE141-797F-4E11-A05E-11589586DFF0}" srcOrd="0" destOrd="0" presId="urn:microsoft.com/office/officeart/2005/8/layout/chevron2"/>
+    <dgm:cxn modelId="{C320DCDA-9AFC-43D4-97C6-82AB7F0A7608}" srcId="{434CE31E-0237-46CD-956A-AFA7E933540E}" destId="{BFB051F6-A86B-4BCF-96C7-08FC9A84F199}" srcOrd="2" destOrd="0" parTransId="{80666846-0EE3-41B7-AB5E-0B4C8035DC2B}" sibTransId="{A22A7382-ABCE-4E4C-AC5F-269F002E74BA}"/>
+    <dgm:cxn modelId="{C971BCB4-3ACA-45A2-801A-825F63B6F1DC}" srcId="{E3010F09-22F1-4F47-B160-FC834DC48BE0}" destId="{5EDB462B-4DA4-4C77-A36B-9226C61ED68C}" srcOrd="0" destOrd="0" parTransId="{6EFD4331-0DD8-478B-9740-CE6B69B61806}" sibTransId="{4D644D46-76F6-42AB-A7FB-6CD085BA6E57}"/>
+    <dgm:cxn modelId="{527D89F3-FD88-4103-A3DF-25CC8C80C79A}" srcId="{EE9496AC-06B8-48DF-82E4-2128A1C75945}" destId="{E3010F09-22F1-4F47-B160-FC834DC48BE0}" srcOrd="0" destOrd="0" parTransId="{B8D02233-0ADF-4D4F-B29B-F98393ED9AC3}" sibTransId="{BD9FB321-9045-41CD-BBF4-E36018DDFC39}"/>
+    <dgm:cxn modelId="{EB3F96C2-2175-4424-8E63-668DB703359D}" type="presOf" srcId="{4F10A4EE-9707-49D1-BD89-5626925D34C5}" destId="{91BF41D9-E9F7-4FE2-9277-9B4E5CFE6AB4}" srcOrd="0" destOrd="2" presId="urn:microsoft.com/office/officeart/2005/8/layout/chevron2"/>
+    <dgm:cxn modelId="{1EC5BE4E-7D91-47A5-A8C3-B2BAABA0B6CD}" type="presOf" srcId="{E3010F09-22F1-4F47-B160-FC834DC48BE0}" destId="{2901F114-6FE9-4DF0-87CF-6DD617B54DFD}" srcOrd="0" destOrd="0" presId="urn:microsoft.com/office/officeart/2005/8/layout/chevron2"/>
+    <dgm:cxn modelId="{F1BA2078-2B37-46A2-A96B-4EF5DCA71AC1}" srcId="{E3010F09-22F1-4F47-B160-FC834DC48BE0}" destId="{1568D038-A745-4E8A-9A07-2125E6406C79}" srcOrd="1" destOrd="0" parTransId="{79052993-49E4-474A-9D15-4D68EE453A33}" sibTransId="{600B1A80-1AE5-4CA6-A2D7-0D4DFE691131}"/>
     <dgm:cxn modelId="{34D998AD-4B51-4291-A1D2-D4B803819F6F}" type="presParOf" srcId="{6A965FAF-B6BC-4B0F-B550-AB66B48F88D5}" destId="{7FEDB2EF-E293-459B-9D58-C937F624B937}" srcOrd="0" destOrd="0" presId="urn:microsoft.com/office/officeart/2005/8/layout/chevron2"/>
     <dgm:cxn modelId="{CE3A93F9-5A73-442B-B2B2-A1AB1044345D}" type="presParOf" srcId="{7FEDB2EF-E293-459B-9D58-C937F624B937}" destId="{2901F114-6FE9-4DF0-87CF-6DD617B54DFD}" srcOrd="0" destOrd="0" presId="urn:microsoft.com/office/officeart/2005/8/layout/chevron2"/>
     <dgm:cxn modelId="{702C5814-BC7D-4B37-A36E-1C591D29520C}" type="presParOf" srcId="{7FEDB2EF-E293-459B-9D58-C937F624B937}" destId="{10293D9F-A795-4833-99C6-E06DB2AC7925}" srcOrd="1" destOrd="0" presId="urn:microsoft.com/office/officeart/2005/8/layout/chevron2"/>
@@ -3904,6 +3904,786 @@
       <dsp:cNvGrpSpPr/>
     </dsp:nvGrpSpPr>
     <dsp:grpSpPr/>
+    <dsp:sp modelId="{58BFA2BA-CAA5-412C-8E31-816D0883C9FF}">
+      <dsp:nvSpPr>
+        <dsp:cNvPr id="0" name=""/>
+        <dsp:cNvSpPr/>
+      </dsp:nvSpPr>
+      <dsp:spPr>
+        <a:xfrm rot="16200000">
+          <a:off x="-1867795" y="2772097"/>
+          <a:ext cx="4226560" cy="392277"/>
+        </a:xfrm>
+        <a:prstGeom prst="rect">
+          <a:avLst/>
+        </a:prstGeom>
+        <a:noFill/>
+        <a:ln>
+          <a:noFill/>
+        </a:ln>
+        <a:effectLst/>
+      </dsp:spPr>
+      <dsp:style>
+        <a:lnRef idx="0">
+          <a:scrgbClr r="0" g="0" b="0"/>
+        </a:lnRef>
+        <a:fillRef idx="0">
+          <a:scrgbClr r="0" g="0" b="0"/>
+        </a:fillRef>
+        <a:effectRef idx="0">
+          <a:scrgbClr r="0" g="0" b="0"/>
+        </a:effectRef>
+        <a:fontRef idx="minor"/>
+      </dsp:style>
+      <dsp:txBody>
+        <a:bodyPr spcFirstLastPara="0" vert="horz" wrap="square" lIns="0" tIns="0" rIns="345967" bIns="0" numCol="1" spcCol="1270" anchor="t" anchorCtr="0">
+          <a:noAutofit/>
+        </a:bodyPr>
+        <a:lstStyle/>
+        <a:p>
+          <a:pPr lvl="0" algn="r" defTabSz="1289050">
+            <a:lnSpc>
+              <a:spcPct val="90000"/>
+            </a:lnSpc>
+            <a:spcBef>
+              <a:spcPct val="0"/>
+            </a:spcBef>
+            <a:spcAft>
+              <a:spcPct val="35000"/>
+            </a:spcAft>
+          </a:pPr>
+          <a:r>
+            <a:rPr lang="en-US" sz="2900" kern="1200" dirty="0" smtClean="0"/>
+            <a:t>Infra</a:t>
+          </a:r>
+          <a:endParaRPr lang="en-US" sz="2900" kern="1200" dirty="0"/>
+        </a:p>
+      </dsp:txBody>
+      <dsp:txXfrm>
+        <a:off x="-1867795" y="2772097"/>
+        <a:ext cx="4226560" cy="392277"/>
+      </dsp:txXfrm>
+    </dsp:sp>
+    <dsp:sp modelId="{E16B36D4-7B07-4D07-921A-A97858DEA745}">
+      <dsp:nvSpPr>
+        <dsp:cNvPr id="0" name=""/>
+        <dsp:cNvSpPr/>
+      </dsp:nvSpPr>
+      <dsp:spPr>
+        <a:xfrm>
+          <a:off x="441623" y="854956"/>
+          <a:ext cx="1953958" cy="4226560"/>
+        </a:xfrm>
+        <a:prstGeom prst="rect">
+          <a:avLst/>
+        </a:prstGeom>
+        <a:solidFill>
+          <a:schemeClr val="accent1">
+            <a:hueOff val="0"/>
+            <a:satOff val="0"/>
+            <a:lumOff val="0"/>
+            <a:alphaOff val="0"/>
+          </a:schemeClr>
+        </a:solidFill>
+        <a:ln>
+          <a:noFill/>
+        </a:ln>
+        <a:effectLst/>
+        <a:scene3d>
+          <a:camera prst="orthographicFront"/>
+          <a:lightRig rig="chilly" dir="t"/>
+        </a:scene3d>
+        <a:sp3d prstMaterial="translucentPowder">
+          <a:bevelT w="127000" h="25400" prst="softRound"/>
+        </a:sp3d>
+      </dsp:spPr>
+      <dsp:style>
+        <a:lnRef idx="0">
+          <a:scrgbClr r="0" g="0" b="0"/>
+        </a:lnRef>
+        <a:fillRef idx="1">
+          <a:scrgbClr r="0" g="0" b="0"/>
+        </a:fillRef>
+        <a:effectRef idx="0">
+          <a:scrgbClr r="0" g="0" b="0"/>
+        </a:effectRef>
+        <a:fontRef idx="minor">
+          <a:schemeClr val="lt1"/>
+        </a:fontRef>
+      </dsp:style>
+      <dsp:txBody>
+        <a:bodyPr spcFirstLastPara="0" vert="horz" wrap="square" lIns="192024" tIns="345967" rIns="192024" bIns="192024" numCol="1" spcCol="1270" anchor="t" anchorCtr="0">
+          <a:noAutofit/>
+        </a:bodyPr>
+        <a:lstStyle/>
+        <a:p>
+          <a:pPr marL="228600" lvl="1" indent="-228600" algn="l" defTabSz="933450">
+            <a:lnSpc>
+              <a:spcPct val="90000"/>
+            </a:lnSpc>
+            <a:spcBef>
+              <a:spcPct val="0"/>
+            </a:spcBef>
+            <a:spcAft>
+              <a:spcPct val="15000"/>
+            </a:spcAft>
+            <a:buChar char="••"/>
+          </a:pPr>
+          <a:r>
+            <a:rPr lang="en-US" sz="2100" kern="1200" dirty="0" smtClean="0"/>
+            <a:t>grunt</a:t>
+          </a:r>
+          <a:endParaRPr lang="en-US" sz="2100" kern="1200" dirty="0"/>
+        </a:p>
+        <a:p>
+          <a:pPr marL="228600" lvl="1" indent="-228600" algn="l" defTabSz="933450">
+            <a:lnSpc>
+              <a:spcPct val="90000"/>
+            </a:lnSpc>
+            <a:spcBef>
+              <a:spcPct val="0"/>
+            </a:spcBef>
+            <a:spcAft>
+              <a:spcPct val="15000"/>
+            </a:spcAft>
+            <a:buChar char="••"/>
+          </a:pPr>
+          <a:r>
+            <a:rPr lang="en-US" sz="2100" kern="1200" dirty="0" smtClean="0"/>
+            <a:t>bower</a:t>
+          </a:r>
+          <a:endParaRPr lang="en-US" sz="2100" kern="1200" dirty="0"/>
+        </a:p>
+        <a:p>
+          <a:pPr marL="228600" lvl="1" indent="-228600" algn="l" defTabSz="933450">
+            <a:lnSpc>
+              <a:spcPct val="90000"/>
+            </a:lnSpc>
+            <a:spcBef>
+              <a:spcPct val="0"/>
+            </a:spcBef>
+            <a:spcAft>
+              <a:spcPct val="15000"/>
+            </a:spcAft>
+            <a:buChar char="••"/>
+          </a:pPr>
+          <a:r>
+            <a:rPr lang="en-US" sz="2100" kern="1200" dirty="0" smtClean="0"/>
+            <a:t>Local bower repo</a:t>
+          </a:r>
+          <a:endParaRPr lang="en-US" sz="2100" kern="1200" dirty="0"/>
+        </a:p>
+        <a:p>
+          <a:pPr marL="228600" lvl="1" indent="-228600" algn="l" defTabSz="933450">
+            <a:lnSpc>
+              <a:spcPct val="90000"/>
+            </a:lnSpc>
+            <a:spcBef>
+              <a:spcPct val="0"/>
+            </a:spcBef>
+            <a:spcAft>
+              <a:spcPct val="15000"/>
+            </a:spcAft>
+            <a:buChar char="••"/>
+          </a:pPr>
+          <a:r>
+            <a:rPr lang="en-US" sz="2100" kern="1200" dirty="0" smtClean="0"/>
+            <a:t>sass/less</a:t>
+          </a:r>
+          <a:endParaRPr lang="en-US" sz="2100" kern="1200" dirty="0"/>
+        </a:p>
+        <a:p>
+          <a:pPr marL="228600" lvl="1" indent="-228600" algn="l" defTabSz="933450">
+            <a:lnSpc>
+              <a:spcPct val="90000"/>
+            </a:lnSpc>
+            <a:spcBef>
+              <a:spcPct val="0"/>
+            </a:spcBef>
+            <a:spcAft>
+              <a:spcPct val="15000"/>
+            </a:spcAft>
+            <a:buChar char="••"/>
+          </a:pPr>
+          <a:r>
+            <a:rPr lang="en-US" sz="2100" kern="1200" dirty="0" smtClean="0"/>
+            <a:t>cdn compatible</a:t>
+          </a:r>
+          <a:endParaRPr lang="en-US" sz="2100" kern="1200" dirty="0"/>
+        </a:p>
+      </dsp:txBody>
+      <dsp:txXfrm>
+        <a:off x="441623" y="854956"/>
+        <a:ext cx="1953958" cy="4226560"/>
+      </dsp:txXfrm>
+    </dsp:sp>
+    <dsp:sp modelId="{5F43AE02-B8BC-4BC2-8B9B-4A4B7C73DD8F}">
+      <dsp:nvSpPr>
+        <dsp:cNvPr id="0" name=""/>
+        <dsp:cNvSpPr/>
+      </dsp:nvSpPr>
+      <dsp:spPr>
+        <a:xfrm>
+          <a:off x="49345" y="337150"/>
+          <a:ext cx="784555" cy="784555"/>
+        </a:xfrm>
+        <a:prstGeom prst="rect">
+          <a:avLst/>
+        </a:prstGeom>
+        <a:blipFill>
+          <a:blip xmlns:r="http://schemas.openxmlformats.org/officeDocument/2006/relationships" r:embed="rId1">
+            <a:extLst>
+              <a:ext uri="{28A0092B-C50C-407E-A947-70E740481C1C}">
+                <a14:useLocalDpi xmlns:a14="http://schemas.microsoft.com/office/drawing/2010/main" val="0"/>
+              </a:ext>
+            </a:extLst>
+          </a:blip>
+          <a:srcRect/>
+          <a:stretch>
+            <a:fillRect l="-1000" r="-1000"/>
+          </a:stretch>
+        </a:blipFill>
+        <a:ln>
+          <a:noFill/>
+        </a:ln>
+        <a:effectLst/>
+        <a:scene3d>
+          <a:camera prst="orthographicFront"/>
+          <a:lightRig rig="chilly" dir="t"/>
+        </a:scene3d>
+        <a:sp3d z="12700" extrusionH="12700" prstMaterial="translucentPowder">
+          <a:bevelT w="25400" h="6350" prst="softRound"/>
+          <a:bevelB w="0" h="0" prst="convex"/>
+        </a:sp3d>
+      </dsp:spPr>
+      <dsp:style>
+        <a:lnRef idx="0">
+          <a:scrgbClr r="0" g="0" b="0"/>
+        </a:lnRef>
+        <a:fillRef idx="1">
+          <a:scrgbClr r="0" g="0" b="0"/>
+        </a:fillRef>
+        <a:effectRef idx="0">
+          <a:scrgbClr r="0" g="0" b="0"/>
+        </a:effectRef>
+        <a:fontRef idx="minor"/>
+      </dsp:style>
+    </dsp:sp>
+    <dsp:sp modelId="{714F8AA6-1B46-459E-A93A-D7B2845F2A80}">
+      <dsp:nvSpPr>
+        <dsp:cNvPr id="0" name=""/>
+        <dsp:cNvSpPr/>
+      </dsp:nvSpPr>
+      <dsp:spPr>
+        <a:xfrm rot="16200000">
+          <a:off x="973740" y="2772097"/>
+          <a:ext cx="4226560" cy="392277"/>
+        </a:xfrm>
+        <a:prstGeom prst="rect">
+          <a:avLst/>
+        </a:prstGeom>
+        <a:noFill/>
+        <a:ln>
+          <a:noFill/>
+        </a:ln>
+        <a:effectLst/>
+      </dsp:spPr>
+      <dsp:style>
+        <a:lnRef idx="0">
+          <a:scrgbClr r="0" g="0" b="0"/>
+        </a:lnRef>
+        <a:fillRef idx="0">
+          <a:scrgbClr r="0" g="0" b="0"/>
+        </a:fillRef>
+        <a:effectRef idx="0">
+          <a:scrgbClr r="0" g="0" b="0"/>
+        </a:effectRef>
+        <a:fontRef idx="minor"/>
+      </dsp:style>
+      <dsp:txBody>
+        <a:bodyPr spcFirstLastPara="0" vert="horz" wrap="square" lIns="0" tIns="0" rIns="345967" bIns="0" numCol="1" spcCol="1270" anchor="t" anchorCtr="0">
+          <a:noAutofit/>
+        </a:bodyPr>
+        <a:lstStyle/>
+        <a:p>
+          <a:pPr lvl="0" algn="r" defTabSz="1289050">
+            <a:lnSpc>
+              <a:spcPct val="90000"/>
+            </a:lnSpc>
+            <a:spcBef>
+              <a:spcPct val="0"/>
+            </a:spcBef>
+            <a:spcAft>
+              <a:spcPct val="35000"/>
+            </a:spcAft>
+          </a:pPr>
+          <a:r>
+            <a:rPr lang="en-US" sz="2900" kern="1200" dirty="0" smtClean="0"/>
+            <a:t>develop</a:t>
+          </a:r>
+          <a:endParaRPr lang="en-US" sz="2900" kern="1200" dirty="0"/>
+        </a:p>
+      </dsp:txBody>
+      <dsp:txXfrm>
+        <a:off x="973740" y="2772097"/>
+        <a:ext cx="4226560" cy="392277"/>
+      </dsp:txXfrm>
+    </dsp:sp>
+    <dsp:sp modelId="{39F62410-4992-40D4-86FC-36E130020853}">
+      <dsp:nvSpPr>
+        <dsp:cNvPr id="0" name=""/>
+        <dsp:cNvSpPr/>
+      </dsp:nvSpPr>
+      <dsp:spPr>
+        <a:xfrm>
+          <a:off x="3283159" y="854956"/>
+          <a:ext cx="1953958" cy="4226560"/>
+        </a:xfrm>
+        <a:prstGeom prst="rect">
+          <a:avLst/>
+        </a:prstGeom>
+        <a:solidFill>
+          <a:schemeClr val="accent1">
+            <a:hueOff val="0"/>
+            <a:satOff val="0"/>
+            <a:lumOff val="0"/>
+            <a:alphaOff val="0"/>
+          </a:schemeClr>
+        </a:solidFill>
+        <a:ln>
+          <a:noFill/>
+        </a:ln>
+        <a:effectLst/>
+        <a:scene3d>
+          <a:camera prst="orthographicFront"/>
+          <a:lightRig rig="chilly" dir="t"/>
+        </a:scene3d>
+        <a:sp3d prstMaterial="translucentPowder">
+          <a:bevelT w="127000" h="25400" prst="softRound"/>
+        </a:sp3d>
+      </dsp:spPr>
+      <dsp:style>
+        <a:lnRef idx="0">
+          <a:scrgbClr r="0" g="0" b="0"/>
+        </a:lnRef>
+        <a:fillRef idx="1">
+          <a:scrgbClr r="0" g="0" b="0"/>
+        </a:fillRef>
+        <a:effectRef idx="0">
+          <a:scrgbClr r="0" g="0" b="0"/>
+        </a:effectRef>
+        <a:fontRef idx="minor">
+          <a:schemeClr val="lt1"/>
+        </a:fontRef>
+      </dsp:style>
+      <dsp:txBody>
+        <a:bodyPr spcFirstLastPara="0" vert="horz" wrap="square" lIns="192024" tIns="345967" rIns="192024" bIns="192024" numCol="1" spcCol="1270" anchor="t" anchorCtr="0">
+          <a:noAutofit/>
+        </a:bodyPr>
+        <a:lstStyle/>
+        <a:p>
+          <a:pPr marL="228600" lvl="1" indent="-228600" algn="l" defTabSz="933450">
+            <a:lnSpc>
+              <a:spcPct val="90000"/>
+            </a:lnSpc>
+            <a:spcBef>
+              <a:spcPct val="0"/>
+            </a:spcBef>
+            <a:spcAft>
+              <a:spcPct val="15000"/>
+            </a:spcAft>
+            <a:buChar char="••"/>
+          </a:pPr>
+          <a:r>
+            <a:rPr lang="en-US" sz="2100" kern="1200" dirty="0" smtClean="0"/>
+            <a:t>angular</a:t>
+          </a:r>
+          <a:endParaRPr lang="en-US" sz="2100" kern="1200" dirty="0"/>
+        </a:p>
+        <a:p>
+          <a:pPr marL="228600" lvl="1" indent="-228600" algn="l" defTabSz="933450">
+            <a:lnSpc>
+              <a:spcPct val="90000"/>
+            </a:lnSpc>
+            <a:spcBef>
+              <a:spcPct val="0"/>
+            </a:spcBef>
+            <a:spcAft>
+              <a:spcPct val="15000"/>
+            </a:spcAft>
+            <a:buChar char="••"/>
+          </a:pPr>
+          <a:r>
+            <a:rPr lang="en-US" sz="2100" kern="1200" dirty="0" smtClean="0"/>
+            <a:t>angular-</a:t>
+          </a:r>
+          <a:r>
+            <a:rPr lang="en-US" sz="2100" kern="1200" dirty="0" err="1" smtClean="0"/>
+            <a:t>ui</a:t>
+          </a:r>
+          <a:endParaRPr lang="en-US" sz="2100" kern="1200" dirty="0"/>
+        </a:p>
+        <a:p>
+          <a:pPr marL="228600" lvl="1" indent="-228600" algn="l" defTabSz="933450">
+            <a:lnSpc>
+              <a:spcPct val="90000"/>
+            </a:lnSpc>
+            <a:spcBef>
+              <a:spcPct val="0"/>
+            </a:spcBef>
+            <a:spcAft>
+              <a:spcPct val="15000"/>
+            </a:spcAft>
+            <a:buChar char="••"/>
+          </a:pPr>
+          <a:r>
+            <a:rPr lang="en-US" sz="2100" kern="1200" dirty="0" smtClean="0"/>
+            <a:t>bootstrap</a:t>
+          </a:r>
+          <a:endParaRPr lang="en-US" sz="2100" kern="1200" dirty="0"/>
+        </a:p>
+        <a:p>
+          <a:pPr marL="228600" lvl="1" indent="-228600" algn="l" defTabSz="933450">
+            <a:lnSpc>
+              <a:spcPct val="90000"/>
+            </a:lnSpc>
+            <a:spcBef>
+              <a:spcPct val="0"/>
+            </a:spcBef>
+            <a:spcAft>
+              <a:spcPct val="15000"/>
+            </a:spcAft>
+            <a:buChar char="••"/>
+          </a:pPr>
+          <a:r>
+            <a:rPr lang="en-US" sz="2100" kern="1200" dirty="0" err="1" smtClean="0"/>
+            <a:t>Rwd</a:t>
+          </a:r>
+          <a:r>
+            <a:rPr lang="en-US" sz="2100" kern="1200" dirty="0" smtClean="0"/>
+            <a:t> templates</a:t>
+          </a:r>
+          <a:endParaRPr lang="en-US" sz="2100" kern="1200" dirty="0"/>
+        </a:p>
+      </dsp:txBody>
+      <dsp:txXfrm>
+        <a:off x="3283159" y="854956"/>
+        <a:ext cx="1953958" cy="4226560"/>
+      </dsp:txXfrm>
+    </dsp:sp>
+    <dsp:sp modelId="{EA1169A7-E332-4D38-8D40-E9BD008D7377}">
+      <dsp:nvSpPr>
+        <dsp:cNvPr id="0" name=""/>
+        <dsp:cNvSpPr/>
+      </dsp:nvSpPr>
+      <dsp:spPr>
+        <a:xfrm>
+          <a:off x="2890881" y="337150"/>
+          <a:ext cx="784555" cy="784555"/>
+        </a:xfrm>
+        <a:prstGeom prst="rect">
+          <a:avLst/>
+        </a:prstGeom>
+        <a:blipFill>
+          <a:blip xmlns:r="http://schemas.openxmlformats.org/officeDocument/2006/relationships" r:embed="rId2">
+            <a:extLst>
+              <a:ext uri="{28A0092B-C50C-407E-A947-70E740481C1C}">
+                <a14:useLocalDpi xmlns:a14="http://schemas.microsoft.com/office/drawing/2010/main" val="0"/>
+              </a:ext>
+            </a:extLst>
+          </a:blip>
+          <a:srcRect/>
+          <a:stretch>
+            <a:fillRect l="-37000" r="-37000"/>
+          </a:stretch>
+        </a:blipFill>
+        <a:ln>
+          <a:noFill/>
+        </a:ln>
+        <a:effectLst/>
+        <a:scene3d>
+          <a:camera prst="orthographicFront"/>
+          <a:lightRig rig="chilly" dir="t"/>
+        </a:scene3d>
+        <a:sp3d z="12700" extrusionH="12700" prstMaterial="translucentPowder">
+          <a:bevelT w="25400" h="6350" prst="softRound"/>
+          <a:bevelB w="0" h="0" prst="convex"/>
+        </a:sp3d>
+      </dsp:spPr>
+      <dsp:style>
+        <a:lnRef idx="0">
+          <a:scrgbClr r="0" g="0" b="0"/>
+        </a:lnRef>
+        <a:fillRef idx="1">
+          <a:scrgbClr r="0" g="0" b="0"/>
+        </a:fillRef>
+        <a:effectRef idx="0">
+          <a:scrgbClr r="0" g="0" b="0"/>
+        </a:effectRef>
+        <a:fontRef idx="minor"/>
+      </dsp:style>
+    </dsp:sp>
+    <dsp:sp modelId="{55FB3A29-08A2-4DCA-9219-00D2B786B570}">
+      <dsp:nvSpPr>
+        <dsp:cNvPr id="0" name=""/>
+        <dsp:cNvSpPr/>
+      </dsp:nvSpPr>
+      <dsp:spPr>
+        <a:xfrm rot="16200000">
+          <a:off x="3815276" y="2772097"/>
+          <a:ext cx="4226560" cy="392277"/>
+        </a:xfrm>
+        <a:prstGeom prst="rect">
+          <a:avLst/>
+        </a:prstGeom>
+        <a:noFill/>
+        <a:ln>
+          <a:noFill/>
+        </a:ln>
+        <a:effectLst/>
+      </dsp:spPr>
+      <dsp:style>
+        <a:lnRef idx="0">
+          <a:scrgbClr r="0" g="0" b="0"/>
+        </a:lnRef>
+        <a:fillRef idx="0">
+          <a:scrgbClr r="0" g="0" b="0"/>
+        </a:fillRef>
+        <a:effectRef idx="0">
+          <a:scrgbClr r="0" g="0" b="0"/>
+        </a:effectRef>
+        <a:fontRef idx="minor"/>
+      </dsp:style>
+      <dsp:txBody>
+        <a:bodyPr spcFirstLastPara="0" vert="horz" wrap="square" lIns="0" tIns="0" rIns="345967" bIns="0" numCol="1" spcCol="1270" anchor="t" anchorCtr="0">
+          <a:noAutofit/>
+        </a:bodyPr>
+        <a:lstStyle/>
+        <a:p>
+          <a:pPr lvl="0" algn="r" defTabSz="1289050">
+            <a:lnSpc>
+              <a:spcPct val="90000"/>
+            </a:lnSpc>
+            <a:spcBef>
+              <a:spcPct val="0"/>
+            </a:spcBef>
+            <a:spcAft>
+              <a:spcPct val="35000"/>
+            </a:spcAft>
+          </a:pPr>
+          <a:r>
+            <a:rPr lang="en-US" sz="2900" kern="1200" dirty="0" smtClean="0"/>
+            <a:t>certify</a:t>
+          </a:r>
+          <a:endParaRPr lang="en-US" sz="2900" kern="1200" dirty="0"/>
+        </a:p>
+      </dsp:txBody>
+      <dsp:txXfrm>
+        <a:off x="3815276" y="2772097"/>
+        <a:ext cx="4226560" cy="392277"/>
+      </dsp:txXfrm>
+    </dsp:sp>
+    <dsp:sp modelId="{B419BFB8-3619-4BA1-92A0-512F23BD8605}">
+      <dsp:nvSpPr>
+        <dsp:cNvPr id="0" name=""/>
+        <dsp:cNvSpPr/>
+      </dsp:nvSpPr>
+      <dsp:spPr>
+        <a:xfrm>
+          <a:off x="6124695" y="854956"/>
+          <a:ext cx="1953958" cy="4226560"/>
+        </a:xfrm>
+        <a:prstGeom prst="rect">
+          <a:avLst/>
+        </a:prstGeom>
+        <a:solidFill>
+          <a:schemeClr val="accent1">
+            <a:hueOff val="0"/>
+            <a:satOff val="0"/>
+            <a:lumOff val="0"/>
+            <a:alphaOff val="0"/>
+          </a:schemeClr>
+        </a:solidFill>
+        <a:ln>
+          <a:noFill/>
+        </a:ln>
+        <a:effectLst/>
+        <a:scene3d>
+          <a:camera prst="orthographicFront"/>
+          <a:lightRig rig="chilly" dir="t"/>
+        </a:scene3d>
+        <a:sp3d prstMaterial="translucentPowder">
+          <a:bevelT w="127000" h="25400" prst="softRound"/>
+        </a:sp3d>
+      </dsp:spPr>
+      <dsp:style>
+        <a:lnRef idx="0">
+          <a:scrgbClr r="0" g="0" b="0"/>
+        </a:lnRef>
+        <a:fillRef idx="1">
+          <a:scrgbClr r="0" g="0" b="0"/>
+        </a:fillRef>
+        <a:effectRef idx="0">
+          <a:scrgbClr r="0" g="0" b="0"/>
+        </a:effectRef>
+        <a:fontRef idx="minor">
+          <a:schemeClr val="lt1"/>
+        </a:fontRef>
+      </dsp:style>
+      <dsp:txBody>
+        <a:bodyPr spcFirstLastPara="0" vert="horz" wrap="square" lIns="192024" tIns="345967" rIns="192024" bIns="192024" numCol="1" spcCol="1270" anchor="t" anchorCtr="0">
+          <a:noAutofit/>
+        </a:bodyPr>
+        <a:lstStyle/>
+        <a:p>
+          <a:pPr marL="228600" lvl="1" indent="-228600" algn="l" defTabSz="933450">
+            <a:lnSpc>
+              <a:spcPct val="90000"/>
+            </a:lnSpc>
+            <a:spcBef>
+              <a:spcPct val="0"/>
+            </a:spcBef>
+            <a:spcAft>
+              <a:spcPct val="15000"/>
+            </a:spcAft>
+            <a:buChar char="••"/>
+          </a:pPr>
+          <a:r>
+            <a:rPr lang="en-US" sz="2100" kern="1200" dirty="0" smtClean="0"/>
+            <a:t>karma</a:t>
+          </a:r>
+          <a:endParaRPr lang="en-US" sz="2100" kern="1200" dirty="0"/>
+        </a:p>
+        <a:p>
+          <a:pPr marL="228600" lvl="1" indent="-228600" algn="l" defTabSz="933450">
+            <a:lnSpc>
+              <a:spcPct val="90000"/>
+            </a:lnSpc>
+            <a:spcBef>
+              <a:spcPct val="0"/>
+            </a:spcBef>
+            <a:spcAft>
+              <a:spcPct val="15000"/>
+            </a:spcAft>
+            <a:buChar char="••"/>
+          </a:pPr>
+          <a:r>
+            <a:rPr lang="en-US" sz="2100" kern="1200" dirty="0" smtClean="0"/>
+            <a:t>Jasmin</a:t>
+          </a:r>
+          <a:endParaRPr lang="en-US" sz="2100" kern="1200" dirty="0"/>
+        </a:p>
+        <a:p>
+          <a:pPr marL="228600" lvl="1" indent="-228600" algn="l" defTabSz="933450">
+            <a:lnSpc>
+              <a:spcPct val="90000"/>
+            </a:lnSpc>
+            <a:spcBef>
+              <a:spcPct val="0"/>
+            </a:spcBef>
+            <a:spcAft>
+              <a:spcPct val="15000"/>
+            </a:spcAft>
+            <a:buChar char="••"/>
+          </a:pPr>
+          <a:r>
+            <a:rPr lang="en-US" sz="2100" kern="1200" dirty="0" smtClean="0"/>
+            <a:t>Protector</a:t>
+          </a:r>
+          <a:endParaRPr lang="en-US" sz="2100" kern="1200" dirty="0"/>
+        </a:p>
+        <a:p>
+          <a:pPr marL="228600" lvl="1" indent="-228600" algn="l" defTabSz="933450">
+            <a:lnSpc>
+              <a:spcPct val="90000"/>
+            </a:lnSpc>
+            <a:spcBef>
+              <a:spcPct val="0"/>
+            </a:spcBef>
+            <a:spcAft>
+              <a:spcPct val="15000"/>
+            </a:spcAft>
+            <a:buChar char="••"/>
+          </a:pPr>
+          <a:r>
+            <a:rPr lang="en-US" sz="2100" kern="1200" dirty="0" smtClean="0"/>
+            <a:t>jenkin</a:t>
+          </a:r>
+          <a:endParaRPr lang="en-US" sz="2100" kern="1200" dirty="0"/>
+        </a:p>
+        <a:p>
+          <a:pPr marL="228600" lvl="1" indent="-228600" algn="l" defTabSz="933450">
+            <a:lnSpc>
+              <a:spcPct val="90000"/>
+            </a:lnSpc>
+            <a:spcBef>
+              <a:spcPct val="0"/>
+            </a:spcBef>
+            <a:spcAft>
+              <a:spcPct val="15000"/>
+            </a:spcAft>
+            <a:buChar char="••"/>
+          </a:pPr>
+          <a:endParaRPr lang="en-US" sz="2100" kern="1200" dirty="0"/>
+        </a:p>
+      </dsp:txBody>
+      <dsp:txXfrm>
+        <a:off x="6124695" y="854956"/>
+        <a:ext cx="1953958" cy="4226560"/>
+      </dsp:txXfrm>
+    </dsp:sp>
+    <dsp:sp modelId="{4D95E376-285F-4F49-9065-C94E16338CFE}">
+      <dsp:nvSpPr>
+        <dsp:cNvPr id="0" name=""/>
+        <dsp:cNvSpPr/>
+      </dsp:nvSpPr>
+      <dsp:spPr>
+        <a:xfrm>
+          <a:off x="5732418" y="337150"/>
+          <a:ext cx="784555" cy="784555"/>
+        </a:xfrm>
+        <a:prstGeom prst="rect">
+          <a:avLst/>
+        </a:prstGeom>
+        <a:blipFill>
+          <a:blip xmlns:r="http://schemas.openxmlformats.org/officeDocument/2006/relationships" r:embed="rId3">
+            <a:extLst>
+              <a:ext uri="{28A0092B-C50C-407E-A947-70E740481C1C}">
+                <a14:useLocalDpi xmlns:a14="http://schemas.microsoft.com/office/drawing/2010/main" val="0"/>
+              </a:ext>
+            </a:extLst>
+          </a:blip>
+          <a:srcRect/>
+          <a:stretch>
+            <a:fillRect t="-34000" b="-34000"/>
+          </a:stretch>
+        </a:blipFill>
+        <a:ln>
+          <a:noFill/>
+        </a:ln>
+        <a:effectLst/>
+        <a:scene3d>
+          <a:camera prst="orthographicFront"/>
+          <a:lightRig rig="chilly" dir="t"/>
+        </a:scene3d>
+        <a:sp3d z="12700" extrusionH="12700" prstMaterial="translucentPowder">
+          <a:bevelT w="25400" h="6350" prst="softRound"/>
+          <a:bevelB w="0" h="0" prst="convex"/>
+        </a:sp3d>
+      </dsp:spPr>
+      <dsp:style>
+        <a:lnRef idx="0">
+          <a:scrgbClr r="0" g="0" b="0"/>
+        </a:lnRef>
+        <a:fillRef idx="1">
+          <a:scrgbClr r="0" g="0" b="0"/>
+        </a:fillRef>
+        <a:effectRef idx="0">
+          <a:scrgbClr r="0" g="0" b="0"/>
+        </a:effectRef>
+        <a:fontRef idx="minor"/>
+      </dsp:style>
+    </dsp:sp>
   </dsp:spTree>
 </dsp:drawing>
 </file>
@@ -6965,7 +7745,7 @@
 </file>
 
 <file path=ppt/slideLayouts/slideLayout10.xml><?xml version="1.0" encoding="utf-8"?>
-<p:sldLayout xmlns:a="http://schemas.openxmlformats.org/drawingml/2006/main" xmlns:r="http://schemas.openxmlformats.org/officeDocument/2006/relationships" xmlns:p="http://schemas.openxmlformats.org/presentationml/2006/main" preserve="1">
+<p:sldLayout xmlns:a="http://schemas.openxmlformats.org/drawingml/2006/main" xmlns:r="http://schemas.openxmlformats.org/officeDocument/2006/relationships" xmlns:p="http://schemas.openxmlformats.org/presentationml/2006/main" showMasterSp="0" preserve="1">
   <p:cSld name="1 Line with Subtitle">
     <p:spTree>
       <p:nvGrpSpPr>
@@ -7151,7 +7931,7 @@
 </file>
 
 <file path=ppt/slideLayouts/slideLayout11.xml><?xml version="1.0" encoding="utf-8"?>
-<p:sldLayout xmlns:a="http://schemas.openxmlformats.org/drawingml/2006/main" xmlns:r="http://schemas.openxmlformats.org/officeDocument/2006/relationships" xmlns:p="http://schemas.openxmlformats.org/presentationml/2006/main">
+<p:sldLayout xmlns:a="http://schemas.openxmlformats.org/drawingml/2006/main" xmlns:r="http://schemas.openxmlformats.org/officeDocument/2006/relationships" xmlns:p="http://schemas.openxmlformats.org/presentationml/2006/main" showMasterSp="0">
   <p:cSld name="1Line Only">
     <p:spTree>
       <p:nvGrpSpPr>
@@ -7261,7 +8041,7 @@
           <a:p>
             <a:fld id="{4AAD347D-5ACD-4C99-B74B-A9C85AD731AF}" type="datetimeFigureOut">
               <a:rPr lang="en-US" smtClean="0"/>
-              <a:t>2/25/2016</a:t>
+              <a:t>1/30/2017</a:t>
             </a:fld>
             <a:endParaRPr lang="en-US" dirty="0"/>
           </a:p>
@@ -7364,7 +8144,7 @@
 </file>
 
 <file path=ppt/slideLayouts/slideLayout12.xml><?xml version="1.0" encoding="utf-8"?>
-<p:sldLayout xmlns:a="http://schemas.openxmlformats.org/drawingml/2006/main" xmlns:r="http://schemas.openxmlformats.org/officeDocument/2006/relationships" xmlns:p="http://schemas.openxmlformats.org/presentationml/2006/main">
+<p:sldLayout xmlns:a="http://schemas.openxmlformats.org/drawingml/2006/main" xmlns:r="http://schemas.openxmlformats.org/officeDocument/2006/relationships" xmlns:p="http://schemas.openxmlformats.org/presentationml/2006/main" showMasterSp="0">
   <p:cSld name="1Line with Subtitle">
     <p:spTree>
       <p:nvGrpSpPr>
@@ -7635,7 +8415,7 @@
 </file>
 
 <file path=ppt/slideLayouts/slideLayout13.xml><?xml version="1.0" encoding="utf-8"?>
-<p:sldLayout xmlns:a="http://schemas.openxmlformats.org/drawingml/2006/main" xmlns:r="http://schemas.openxmlformats.org/officeDocument/2006/relationships" xmlns:p="http://schemas.openxmlformats.org/presentationml/2006/main">
+<p:sldLayout xmlns:a="http://schemas.openxmlformats.org/drawingml/2006/main" xmlns:r="http://schemas.openxmlformats.org/officeDocument/2006/relationships" xmlns:p="http://schemas.openxmlformats.org/presentationml/2006/main" showMasterSp="0">
   <p:cSld name="1_Title Only">
     <p:spTree>
       <p:nvGrpSpPr>
@@ -7756,7 +8536,7 @@
           <a:p>
             <a:fld id="{4AAD347D-5ACD-4C99-B74B-A9C85AD731AF}" type="datetimeFigureOut">
               <a:rPr lang="en-US" smtClean="0"/>
-              <a:t>2/25/2016</a:t>
+              <a:t>1/30/2017</a:t>
             </a:fld>
             <a:endParaRPr lang="en-US" dirty="0"/>
           </a:p>
@@ -7859,7 +8639,7 @@
 </file>
 
 <file path=ppt/slideLayouts/slideLayout14.xml><?xml version="1.0" encoding="utf-8"?>
-<p:sldLayout xmlns:a="http://schemas.openxmlformats.org/drawingml/2006/main" xmlns:r="http://schemas.openxmlformats.org/officeDocument/2006/relationships" xmlns:p="http://schemas.openxmlformats.org/presentationml/2006/main" type="obj">
+<p:sldLayout xmlns:a="http://schemas.openxmlformats.org/drawingml/2006/main" xmlns:r="http://schemas.openxmlformats.org/officeDocument/2006/relationships" xmlns:p="http://schemas.openxmlformats.org/presentationml/2006/main" showMasterSp="0" type="obj">
   <p:cSld name="2_Title and Content">
     <p:spTree>
       <p:nvGrpSpPr>
@@ -7965,7 +8745,7 @@
 </file>
 
 <file path=ppt/slideLayouts/slideLayout15.xml><?xml version="1.0" encoding="utf-8"?>
-<p:sldLayout xmlns:a="http://schemas.openxmlformats.org/drawingml/2006/main" xmlns:r="http://schemas.openxmlformats.org/officeDocument/2006/relationships" xmlns:p="http://schemas.openxmlformats.org/presentationml/2006/main" type="blank">
+<p:sldLayout xmlns:a="http://schemas.openxmlformats.org/drawingml/2006/main" xmlns:r="http://schemas.openxmlformats.org/officeDocument/2006/relationships" xmlns:p="http://schemas.openxmlformats.org/presentationml/2006/main" showMasterSp="0" type="blank">
   <p:cSld name="Blank">
     <p:spTree>
       <p:nvGrpSpPr>
@@ -8006,7 +8786,7 @@
           <a:p>
             <a:fld id="{4509A250-FF31-4206-8172-F9D3106AACB1}" type="datetimeFigureOut">
               <a:rPr lang="en-US" dirty="0"/>
-              <a:t>2/25/2016</a:t>
+              <a:t>1/30/2017</a:t>
             </a:fld>
             <a:endParaRPr lang="en-US" dirty="0"/>
           </a:p>
@@ -8086,14 +8866,6 @@
 <file path=ppt/slideLayouts/slideLayout2.xml><?xml version="1.0" encoding="utf-8"?>
 <p:sldLayout xmlns:a="http://schemas.openxmlformats.org/drawingml/2006/main" xmlns:r="http://schemas.openxmlformats.org/officeDocument/2006/relationships" xmlns:p="http://schemas.openxmlformats.org/presentationml/2006/main" showMasterSp="0" type="title" preserve="1">
   <p:cSld name="Title Slide 2">
-    <p:bg>
-      <p:bgPr>
-        <a:solidFill>
-          <a:schemeClr val="accent1"/>
-        </a:solidFill>
-        <a:effectLst/>
-      </p:bgPr>
-    </p:bg>
     <p:spTree>
       <p:nvGrpSpPr>
         <p:cNvPr id="1" name=""/>
@@ -8414,14 +9186,6 @@
 <file path=ppt/slideLayouts/slideLayout3.xml><?xml version="1.0" encoding="utf-8"?>
 <p:sldLayout xmlns:a="http://schemas.openxmlformats.org/drawingml/2006/main" xmlns:r="http://schemas.openxmlformats.org/officeDocument/2006/relationships" xmlns:p="http://schemas.openxmlformats.org/presentationml/2006/main" showMasterSp="0" preserve="1">
   <p:cSld name="Blue divider slide">
-    <p:bg>
-      <p:bgPr>
-        <a:solidFill>
-          <a:schemeClr val="accent1"/>
-        </a:solidFill>
-        <a:effectLst/>
-      </p:bgPr>
-    </p:bg>
     <p:spTree>
       <p:nvGrpSpPr>
         <p:cNvPr id="1" name=""/>
@@ -8630,14 +9394,6 @@
 <file path=ppt/slideLayouts/slideLayout4.xml><?xml version="1.0" encoding="utf-8"?>
 <p:sldLayout xmlns:a="http://schemas.openxmlformats.org/drawingml/2006/main" xmlns:r="http://schemas.openxmlformats.org/officeDocument/2006/relationships" xmlns:p="http://schemas.openxmlformats.org/presentationml/2006/main" showMasterSp="0" preserve="1">
   <p:cSld name="Gray divider slide">
-    <p:bg>
-      <p:bgPr>
-        <a:solidFill>
-          <a:schemeClr val="bg2"/>
-        </a:solidFill>
-        <a:effectLst/>
-      </p:bgPr>
-    </p:bg>
     <p:spTree>
       <p:nvGrpSpPr>
         <p:cNvPr id="1" name=""/>
@@ -8844,7 +9600,7 @@
 </file>
 
 <file path=ppt/slideLayouts/slideLayout5.xml><?xml version="1.0" encoding="utf-8"?>
-<p:sldLayout xmlns:a="http://schemas.openxmlformats.org/drawingml/2006/main" xmlns:r="http://schemas.openxmlformats.org/officeDocument/2006/relationships" xmlns:p="http://schemas.openxmlformats.org/presentationml/2006/main" preserve="1">
+<p:sldLayout xmlns:a="http://schemas.openxmlformats.org/drawingml/2006/main" xmlns:r="http://schemas.openxmlformats.org/officeDocument/2006/relationships" xmlns:p="http://schemas.openxmlformats.org/presentationml/2006/main" showMasterSp="0" preserve="1">
   <p:cSld name="Title with Content">
     <p:spTree>
       <p:nvGrpSpPr>
@@ -9034,7 +9790,7 @@
 </file>
 
 <file path=ppt/slideLayouts/slideLayout6.xml><?xml version="1.0" encoding="utf-8"?>
-<p:sldLayout xmlns:a="http://schemas.openxmlformats.org/drawingml/2006/main" xmlns:r="http://schemas.openxmlformats.org/officeDocument/2006/relationships" xmlns:p="http://schemas.openxmlformats.org/presentationml/2006/main" preserve="1">
+<p:sldLayout xmlns:a="http://schemas.openxmlformats.org/drawingml/2006/main" xmlns:r="http://schemas.openxmlformats.org/officeDocument/2006/relationships" xmlns:p="http://schemas.openxmlformats.org/presentationml/2006/main" showMasterSp="0" preserve="1">
   <p:cSld name="1Line with Content and Subtitle">
     <p:spTree>
       <p:nvGrpSpPr>
@@ -9291,7 +10047,7 @@
 </file>
 
 <file path=ppt/slideLayouts/slideLayout7.xml><?xml version="1.0" encoding="utf-8"?>
-<p:sldLayout xmlns:a="http://schemas.openxmlformats.org/drawingml/2006/main" xmlns:r="http://schemas.openxmlformats.org/officeDocument/2006/relationships" xmlns:p="http://schemas.openxmlformats.org/presentationml/2006/main" preserve="1">
+<p:sldLayout xmlns:a="http://schemas.openxmlformats.org/drawingml/2006/main" xmlns:r="http://schemas.openxmlformats.org/officeDocument/2006/relationships" xmlns:p="http://schemas.openxmlformats.org/presentationml/2006/main" showMasterSp="0" preserve="1">
   <p:cSld name="Title and Two Content">
     <p:spTree>
       <p:nvGrpSpPr>
@@ -9597,7 +10353,7 @@
 </file>
 
 <file path=ppt/slideLayouts/slideLayout8.xml><?xml version="1.0" encoding="utf-8"?>
-<p:sldLayout xmlns:a="http://schemas.openxmlformats.org/drawingml/2006/main" xmlns:r="http://schemas.openxmlformats.org/officeDocument/2006/relationships" xmlns:p="http://schemas.openxmlformats.org/presentationml/2006/main" preserve="1">
+<p:sldLayout xmlns:a="http://schemas.openxmlformats.org/drawingml/2006/main" xmlns:r="http://schemas.openxmlformats.org/officeDocument/2006/relationships" xmlns:p="http://schemas.openxmlformats.org/presentationml/2006/main" showMasterSp="0" preserve="1">
   <p:cSld name="Half-page text with Image">
     <p:spTree>
       <p:nvGrpSpPr>
@@ -9847,7 +10603,7 @@
 </file>
 
 <file path=ppt/slideLayouts/slideLayout9.xml><?xml version="1.0" encoding="utf-8"?>
-<p:sldLayout xmlns:a="http://schemas.openxmlformats.org/drawingml/2006/main" xmlns:r="http://schemas.openxmlformats.org/officeDocument/2006/relationships" xmlns:p="http://schemas.openxmlformats.org/presentationml/2006/main" preserve="1">
+<p:sldLayout xmlns:a="http://schemas.openxmlformats.org/drawingml/2006/main" xmlns:r="http://schemas.openxmlformats.org/officeDocument/2006/relationships" xmlns:p="http://schemas.openxmlformats.org/presentationml/2006/main" showMasterSp="0" preserve="1">
   <p:cSld name="Three Content">
     <p:spTree>
       <p:nvGrpSpPr>
@@ -10343,9 +11099,36 @@
   <p:cSld>
     <p:bg>
       <p:bgPr>
-        <a:solidFill>
-          <a:schemeClr val="bg1"/>
-        </a:solidFill>
+        <a:gradFill flip="none" rotWithShape="1">
+          <a:gsLst>
+            <a:gs pos="0">
+              <a:schemeClr val="accent1">
+                <a:lumMod val="5000"/>
+                <a:lumOff val="95000"/>
+              </a:schemeClr>
+            </a:gs>
+            <a:gs pos="74000">
+              <a:schemeClr val="accent1">
+                <a:lumMod val="45000"/>
+                <a:lumOff val="55000"/>
+              </a:schemeClr>
+            </a:gs>
+            <a:gs pos="83000">
+              <a:schemeClr val="accent1">
+                <a:lumMod val="45000"/>
+                <a:lumOff val="55000"/>
+              </a:schemeClr>
+            </a:gs>
+            <a:gs pos="100000">
+              <a:schemeClr val="accent1">
+                <a:lumMod val="30000"/>
+                <a:lumOff val="70000"/>
+              </a:schemeClr>
+            </a:gs>
+          </a:gsLst>
+          <a:lin ang="5400000" scaled="1"/>
+          <a:tileRect/>
+        </a:gradFill>
         <a:effectLst/>
       </p:bgPr>
     </p:bg>
@@ -11226,7 +12009,7 @@
 </file>
 
 <file path=ppt/slides/slide1.xml><?xml version="1.0" encoding="utf-8"?>
-<p:sld xmlns:a="http://schemas.openxmlformats.org/drawingml/2006/main" xmlns:r="http://schemas.openxmlformats.org/officeDocument/2006/relationships" xmlns:p="http://schemas.openxmlformats.org/presentationml/2006/main">
+<p:sld xmlns:a="http://schemas.openxmlformats.org/drawingml/2006/main" xmlns:r="http://schemas.openxmlformats.org/officeDocument/2006/relationships" xmlns:p="http://schemas.openxmlformats.org/presentationml/2006/main" showMasterSp="0">
   <p:cSld>
     <p:spTree>
       <p:nvGrpSpPr>
@@ -11345,7 +12128,7 @@
 </file>
 
 <file path=ppt/slides/slide2.xml><?xml version="1.0" encoding="utf-8"?>
-<p:sld xmlns:a="http://schemas.openxmlformats.org/drawingml/2006/main" xmlns:r="http://schemas.openxmlformats.org/officeDocument/2006/relationships" xmlns:p="http://schemas.openxmlformats.org/presentationml/2006/main">
+<p:sld xmlns:a="http://schemas.openxmlformats.org/drawingml/2006/main" xmlns:r="http://schemas.openxmlformats.org/officeDocument/2006/relationships" xmlns:p="http://schemas.openxmlformats.org/presentationml/2006/main" showMasterSp="0">
   <p:cSld>
     <p:spTree>
       <p:nvGrpSpPr>
@@ -11404,7 +12187,7 @@
 </file>
 
 <file path=ppt/slides/slide3.xml><?xml version="1.0" encoding="utf-8"?>
-<p:sld xmlns:a="http://schemas.openxmlformats.org/drawingml/2006/main" xmlns:r="http://schemas.openxmlformats.org/officeDocument/2006/relationships" xmlns:p="http://schemas.openxmlformats.org/presentationml/2006/main">
+<p:sld xmlns:a="http://schemas.openxmlformats.org/drawingml/2006/main" xmlns:r="http://schemas.openxmlformats.org/officeDocument/2006/relationships" xmlns:p="http://schemas.openxmlformats.org/presentationml/2006/main" showMasterSp="0">
   <p:cSld>
     <p:spTree>
       <p:nvGrpSpPr>
@@ -11709,14 +12492,6 @@
               </a:rPr>
               <a:t>Data</a:t>
             </a:r>
-            <a:endParaRPr lang="en-US" dirty="0">
-              <a:solidFill>
-                <a:schemeClr val="tx1">
-                  <a:lumMod val="50000"/>
-                  <a:lumOff val="50000"/>
-                </a:schemeClr>
-              </a:solidFill>
-            </a:endParaRPr>
           </a:p>
         </p:txBody>
       </p:sp>
@@ -12026,7 +12801,7 @@
 </file>
 
 <file path=ppt/slides/slide4.xml><?xml version="1.0" encoding="utf-8"?>
-<p:sld xmlns:a="http://schemas.openxmlformats.org/drawingml/2006/main" xmlns:r="http://schemas.openxmlformats.org/officeDocument/2006/relationships" xmlns:p="http://schemas.openxmlformats.org/presentationml/2006/main">
+<p:sld xmlns:a="http://schemas.openxmlformats.org/drawingml/2006/main" xmlns:r="http://schemas.openxmlformats.org/officeDocument/2006/relationships" xmlns:p="http://schemas.openxmlformats.org/presentationml/2006/main" showMasterSp="0">
   <p:cSld>
     <p:spTree>
       <p:nvGrpSpPr>
@@ -12512,7 +13287,7 @@
 </file>
 
 <file path=ppt/slides/slide5.xml><?xml version="1.0" encoding="utf-8"?>
-<p:sld xmlns:a="http://schemas.openxmlformats.org/drawingml/2006/main" xmlns:r="http://schemas.openxmlformats.org/officeDocument/2006/relationships" xmlns:p="http://schemas.openxmlformats.org/presentationml/2006/main">
+<p:sld xmlns:a="http://schemas.openxmlformats.org/drawingml/2006/main" xmlns:r="http://schemas.openxmlformats.org/officeDocument/2006/relationships" xmlns:p="http://schemas.openxmlformats.org/presentationml/2006/main" showMasterSp="0">
   <p:cSld>
     <p:spTree>
       <p:nvGrpSpPr>
@@ -12571,7 +13346,7 @@
 </file>
 
 <file path=ppt/slides/slide6.xml><?xml version="1.0" encoding="utf-8"?>
-<p:sld xmlns:a="http://schemas.openxmlformats.org/drawingml/2006/main" xmlns:r="http://schemas.openxmlformats.org/officeDocument/2006/relationships" xmlns:p="http://schemas.openxmlformats.org/presentationml/2006/main">
+<p:sld xmlns:a="http://schemas.openxmlformats.org/drawingml/2006/main" xmlns:r="http://schemas.openxmlformats.org/officeDocument/2006/relationships" xmlns:p="http://schemas.openxmlformats.org/presentationml/2006/main" showMasterSp="0">
   <p:cSld>
     <p:spTree>
       <p:nvGrpSpPr>
@@ -12686,7 +13461,7 @@
 </file>
 
 <file path=ppt/slides/slide7.xml><?xml version="1.0" encoding="utf-8"?>
-<p:sld xmlns:a="http://schemas.openxmlformats.org/drawingml/2006/main" xmlns:r="http://schemas.openxmlformats.org/officeDocument/2006/relationships" xmlns:p="http://schemas.openxmlformats.org/presentationml/2006/main">
+<p:sld xmlns:a="http://schemas.openxmlformats.org/drawingml/2006/main" xmlns:r="http://schemas.openxmlformats.org/officeDocument/2006/relationships" xmlns:p="http://schemas.openxmlformats.org/presentationml/2006/main" showMasterSp="0">
   <p:cSld>
     <p:spTree>
       <p:nvGrpSpPr>
